--- a/results/Sim_12.15.20/1.6.GxEPanels.pptx
+++ b/results/Sim_12.15.20/1.6.GxEPanels.pptx
@@ -5,10 +5,11 @@
     <p:sldMasterId id="2147483684" r:id="rId1"/>
   </p:sldMasterIdLst>
   <p:notesMasterIdLst>
-    <p:notesMasterId r:id="rId3"/>
+    <p:notesMasterId r:id="rId4"/>
   </p:notesMasterIdLst>
   <p:sldIdLst>
     <p:sldId id="256" r:id="rId2"/>
+    <p:sldId id="257" r:id="rId3"/>
   </p:sldIdLst>
   <p:sldSz cx="12192000" cy="16256000"/>
   <p:notesSz cx="6858000" cy="9144000"/>
@@ -539,6 +540,95 @@
     <p:extLst>
       <p:ext uri="{BB962C8B-B14F-4D97-AF65-F5344CB8AC3E}">
         <p14:creationId xmlns:p14="http://schemas.microsoft.com/office/powerpoint/2010/main" val="3453655875"/>
+      </p:ext>
+    </p:extLst>
+  </p:cSld>
+  <p:clrMapOvr>
+    <a:masterClrMapping/>
+  </p:clrMapOvr>
+</p:notes>
+</file>
+
+<file path=ppt/notesSlides/notesSlide2.xml><?xml version="1.0" encoding="utf-8"?>
+<p:notes xmlns:a="http://schemas.openxmlformats.org/drawingml/2006/main" xmlns:r="http://schemas.openxmlformats.org/officeDocument/2006/relationships" xmlns:p="http://schemas.openxmlformats.org/presentationml/2006/main">
+  <p:cSld>
+    <p:spTree>
+      <p:nvGrpSpPr>
+        <p:cNvPr id="1" name=""/>
+        <p:cNvGrpSpPr/>
+        <p:nvPr/>
+      </p:nvGrpSpPr>
+      <p:grpSpPr>
+        <a:xfrm>
+          <a:off x="0" y="0"/>
+          <a:ext cx="0" cy="0"/>
+          <a:chOff x="0" y="0"/>
+          <a:chExt cx="0" cy="0"/>
+        </a:xfrm>
+      </p:grpSpPr>
+      <p:sp>
+        <p:nvSpPr>
+          <p:cNvPr id="2" name="Slide Image Placeholder 1"/>
+          <p:cNvSpPr>
+            <a:spLocks noGrp="1" noRot="1" noChangeAspect="1"/>
+          </p:cNvSpPr>
+          <p:nvPr>
+            <p:ph type="sldImg"/>
+          </p:nvPr>
+        </p:nvSpPr>
+        <p:spPr>
+          <a:xfrm>
+            <a:off x="2271713" y="1143000"/>
+            <a:ext cx="2314575" cy="3086100"/>
+          </a:xfrm>
+        </p:spPr>
+      </p:sp>
+      <p:sp>
+        <p:nvSpPr>
+          <p:cNvPr id="3" name="Notes Placeholder 2"/>
+          <p:cNvSpPr>
+            <a:spLocks noGrp="1"/>
+          </p:cNvSpPr>
+          <p:nvPr>
+            <p:ph type="body" idx="1"/>
+          </p:nvPr>
+        </p:nvSpPr>
+        <p:spPr/>
+        <p:txBody>
+          <a:bodyPr/>
+          <a:lstStyle/>
+          <a:p>
+            <a:endParaRPr lang="en-US" dirty="0"/>
+          </a:p>
+        </p:txBody>
+      </p:sp>
+      <p:sp>
+        <p:nvSpPr>
+          <p:cNvPr id="4" name="Slide Number Placeholder 3"/>
+          <p:cNvSpPr>
+            <a:spLocks noGrp="1"/>
+          </p:cNvSpPr>
+          <p:nvPr>
+            <p:ph type="sldNum" sz="quarter" idx="5"/>
+          </p:nvPr>
+        </p:nvSpPr>
+        <p:spPr/>
+        <p:txBody>
+          <a:bodyPr/>
+          <a:lstStyle/>
+          <a:p>
+            <a:fld id="{F4F3E601-77D6-0F4C-8219-CC9564DB547A}" type="slidenum">
+              <a:rPr lang="en-US" smtClean="0"/>
+              <a:t>2</a:t>
+            </a:fld>
+            <a:endParaRPr lang="en-US"/>
+          </a:p>
+        </p:txBody>
+      </p:sp>
+    </p:spTree>
+    <p:extLst>
+      <p:ext uri="{BB962C8B-B14F-4D97-AF65-F5344CB8AC3E}">
+        <p14:creationId xmlns:p14="http://schemas.microsoft.com/office/powerpoint/2010/main" val="709299972"/>
       </p:ext>
     </p:extLst>
   </p:cSld>
@@ -3649,6 +3739,274 @@
     <p:extLst>
       <p:ext uri="{BB962C8B-B14F-4D97-AF65-F5344CB8AC3E}">
         <p14:creationId xmlns:p14="http://schemas.microsoft.com/office/powerpoint/2010/main" val="3364366932"/>
+      </p:ext>
+    </p:extLst>
+  </p:cSld>
+  <p:clrMapOvr>
+    <a:masterClrMapping/>
+  </p:clrMapOvr>
+</p:sld>
+</file>
+
+<file path=ppt/slides/slide2.xml><?xml version="1.0" encoding="utf-8"?>
+<p:sld xmlns:a="http://schemas.openxmlformats.org/drawingml/2006/main" xmlns:r="http://schemas.openxmlformats.org/officeDocument/2006/relationships" xmlns:p="http://schemas.openxmlformats.org/presentationml/2006/main">
+  <p:cSld>
+    <p:spTree>
+      <p:nvGrpSpPr>
+        <p:cNvPr id="1" name=""/>
+        <p:cNvGrpSpPr/>
+        <p:nvPr/>
+      </p:nvGrpSpPr>
+      <p:grpSpPr>
+        <a:xfrm>
+          <a:off x="0" y="0"/>
+          <a:ext cx="0" cy="0"/>
+          <a:chOff x="0" y="0"/>
+          <a:chExt cx="0" cy="0"/>
+        </a:xfrm>
+      </p:grpSpPr>
+      <p:pic>
+        <p:nvPicPr>
+          <p:cNvPr id="3" name="Picture 2">
+            <a:extLst>
+              <a:ext uri="{FF2B5EF4-FFF2-40B4-BE49-F238E27FC236}">
+                <a16:creationId xmlns:a16="http://schemas.microsoft.com/office/drawing/2014/main" id="{A6277179-622D-B84E-B99C-3C66D94B63D0}"/>
+              </a:ext>
+            </a:extLst>
+          </p:cNvPr>
+          <p:cNvPicPr>
+            <a:picLocks noChangeAspect="1"/>
+          </p:cNvPicPr>
+          <p:nvPr/>
+        </p:nvPicPr>
+        <p:blipFill>
+          <a:blip r:embed="rId3"/>
+          <a:stretch>
+            <a:fillRect/>
+          </a:stretch>
+        </p:blipFill>
+        <p:spPr>
+          <a:xfrm>
+            <a:off x="1512944" y="5283952"/>
+            <a:ext cx="8842787" cy="5368835"/>
+          </a:xfrm>
+          <a:prstGeom prst="rect">
+            <a:avLst/>
+          </a:prstGeom>
+        </p:spPr>
+      </p:pic>
+      <p:pic>
+        <p:nvPicPr>
+          <p:cNvPr id="5" name="Picture 4">
+            <a:extLst>
+              <a:ext uri="{FF2B5EF4-FFF2-40B4-BE49-F238E27FC236}">
+                <a16:creationId xmlns:a16="http://schemas.microsoft.com/office/drawing/2014/main" id="{4CDF47A6-BE8A-C243-878E-3ECAAEEDBD04}"/>
+              </a:ext>
+            </a:extLst>
+          </p:cNvPr>
+          <p:cNvPicPr>
+            <a:picLocks noChangeAspect="1"/>
+          </p:cNvPicPr>
+          <p:nvPr/>
+        </p:nvPicPr>
+        <p:blipFill>
+          <a:blip r:embed="rId4"/>
+          <a:stretch>
+            <a:fillRect/>
+          </a:stretch>
+        </p:blipFill>
+        <p:spPr>
+          <a:xfrm>
+            <a:off x="1512944" y="241715"/>
+            <a:ext cx="8842786" cy="5368834"/>
+          </a:xfrm>
+          <a:prstGeom prst="rect">
+            <a:avLst/>
+          </a:prstGeom>
+        </p:spPr>
+      </p:pic>
+      <p:pic>
+        <p:nvPicPr>
+          <p:cNvPr id="9" name="Picture 8">
+            <a:extLst>
+              <a:ext uri="{FF2B5EF4-FFF2-40B4-BE49-F238E27FC236}">
+                <a16:creationId xmlns:a16="http://schemas.microsoft.com/office/drawing/2014/main" id="{5A65A8A8-8C9B-6A4C-966A-C4DB772A6148}"/>
+              </a:ext>
+            </a:extLst>
+          </p:cNvPr>
+          <p:cNvPicPr>
+            <a:picLocks noChangeAspect="1"/>
+          </p:cNvPicPr>
+          <p:nvPr/>
+        </p:nvPicPr>
+        <p:blipFill>
+          <a:blip r:embed="rId5"/>
+          <a:stretch>
+            <a:fillRect/>
+          </a:stretch>
+        </p:blipFill>
+        <p:spPr>
+          <a:xfrm>
+            <a:off x="1313885" y="10645451"/>
+            <a:ext cx="9240904" cy="5610549"/>
+          </a:xfrm>
+          <a:prstGeom prst="rect">
+            <a:avLst/>
+          </a:prstGeom>
+        </p:spPr>
+      </p:pic>
+      <p:sp>
+        <p:nvSpPr>
+          <p:cNvPr id="10" name="TextBox 9">
+            <a:extLst>
+              <a:ext uri="{FF2B5EF4-FFF2-40B4-BE49-F238E27FC236}">
+                <a16:creationId xmlns:a16="http://schemas.microsoft.com/office/drawing/2014/main" id="{B358B778-809D-524B-9593-F651892383B4}"/>
+              </a:ext>
+            </a:extLst>
+          </p:cNvPr>
+          <p:cNvSpPr txBox="1"/>
+          <p:nvPr/>
+        </p:nvSpPr>
+        <p:spPr>
+          <a:xfrm>
+            <a:off x="7127967" y="500604"/>
+            <a:ext cx="940526" cy="400110"/>
+          </a:xfrm>
+          <a:prstGeom prst="rect">
+            <a:avLst/>
+          </a:prstGeom>
+          <a:noFill/>
+        </p:spPr>
+        <p:txBody>
+          <a:bodyPr wrap="square" rtlCol="0">
+            <a:spAutoFit/>
+          </a:bodyPr>
+          <a:lstStyle/>
+          <a:p>
+            <a:r>
+              <a:rPr lang="en-US" sz="2000" b="1" dirty="0">
+                <a:latin typeface="Times" pitchFamily="2" charset="0"/>
+              </a:rPr>
+              <a:t>A</a:t>
+            </a:r>
+          </a:p>
+        </p:txBody>
+      </p:sp>
+      <p:sp>
+        <p:nvSpPr>
+          <p:cNvPr id="11" name="TextBox 10">
+            <a:extLst>
+              <a:ext uri="{FF2B5EF4-FFF2-40B4-BE49-F238E27FC236}">
+                <a16:creationId xmlns:a16="http://schemas.microsoft.com/office/drawing/2014/main" id="{AD08A3A1-48A5-0D4F-94B7-56BB51A7E0EC}"/>
+              </a:ext>
+            </a:extLst>
+          </p:cNvPr>
+          <p:cNvSpPr txBox="1"/>
+          <p:nvPr/>
+        </p:nvSpPr>
+        <p:spPr>
+          <a:xfrm>
+            <a:off x="7097488" y="5935616"/>
+            <a:ext cx="940526" cy="400110"/>
+          </a:xfrm>
+          <a:prstGeom prst="rect">
+            <a:avLst/>
+          </a:prstGeom>
+          <a:noFill/>
+        </p:spPr>
+        <p:txBody>
+          <a:bodyPr wrap="square" rtlCol="0">
+            <a:spAutoFit/>
+          </a:bodyPr>
+          <a:lstStyle/>
+          <a:p>
+            <a:r>
+              <a:rPr lang="en-US" sz="2000" b="1" dirty="0">
+                <a:latin typeface="Times" pitchFamily="2" charset="0"/>
+              </a:rPr>
+              <a:t>B</a:t>
+            </a:r>
+          </a:p>
+        </p:txBody>
+      </p:sp>
+      <p:sp>
+        <p:nvSpPr>
+          <p:cNvPr id="12" name="TextBox 11">
+            <a:extLst>
+              <a:ext uri="{FF2B5EF4-FFF2-40B4-BE49-F238E27FC236}">
+                <a16:creationId xmlns:a16="http://schemas.microsoft.com/office/drawing/2014/main" id="{D5C7AF13-0877-6E49-BC89-566C4AF747C4}"/>
+              </a:ext>
+            </a:extLst>
+          </p:cNvPr>
+          <p:cNvSpPr txBox="1"/>
+          <p:nvPr/>
+        </p:nvSpPr>
+        <p:spPr>
+          <a:xfrm>
+            <a:off x="4993811" y="11313159"/>
+            <a:ext cx="940526" cy="400110"/>
+          </a:xfrm>
+          <a:prstGeom prst="rect">
+            <a:avLst/>
+          </a:prstGeom>
+          <a:noFill/>
+        </p:spPr>
+        <p:txBody>
+          <a:bodyPr wrap="square" rtlCol="0">
+            <a:spAutoFit/>
+          </a:bodyPr>
+          <a:lstStyle/>
+          <a:p>
+            <a:r>
+              <a:rPr lang="en-US" sz="2000" b="1" dirty="0">
+                <a:latin typeface="Times" pitchFamily="2" charset="0"/>
+              </a:rPr>
+              <a:t>C</a:t>
+            </a:r>
+          </a:p>
+        </p:txBody>
+      </p:sp>
+      <p:sp>
+        <p:nvSpPr>
+          <p:cNvPr id="13" name="TextBox 12">
+            <a:extLst>
+              <a:ext uri="{FF2B5EF4-FFF2-40B4-BE49-F238E27FC236}">
+                <a16:creationId xmlns:a16="http://schemas.microsoft.com/office/drawing/2014/main" id="{9D744F56-A96A-E74A-BB54-E2737C214643}"/>
+              </a:ext>
+            </a:extLst>
+          </p:cNvPr>
+          <p:cNvSpPr txBox="1"/>
+          <p:nvPr/>
+        </p:nvSpPr>
+        <p:spPr>
+          <a:xfrm>
+            <a:off x="9632621" y="11335413"/>
+            <a:ext cx="940526" cy="400110"/>
+          </a:xfrm>
+          <a:prstGeom prst="rect">
+            <a:avLst/>
+          </a:prstGeom>
+          <a:noFill/>
+        </p:spPr>
+        <p:txBody>
+          <a:bodyPr wrap="square" rtlCol="0">
+            <a:spAutoFit/>
+          </a:bodyPr>
+          <a:lstStyle/>
+          <a:p>
+            <a:r>
+              <a:rPr lang="en-US" sz="2000" b="1" dirty="0">
+                <a:latin typeface="Times" pitchFamily="2" charset="0"/>
+              </a:rPr>
+              <a:t>D</a:t>
+            </a:r>
+          </a:p>
+        </p:txBody>
+      </p:sp>
+    </p:spTree>
+    <p:extLst>
+      <p:ext uri="{BB962C8B-B14F-4D97-AF65-F5344CB8AC3E}">
+        <p14:creationId xmlns:p14="http://schemas.microsoft.com/office/powerpoint/2010/main" val="444459101"/>
       </p:ext>
     </p:extLst>
   </p:cSld>

--- a/results/Sim_12.15.20/1.6.GxEPanels.pptx
+++ b/results/Sim_12.15.20/1.6.GxEPanels.pptx
@@ -3767,10 +3767,10 @@
       </p:grpSpPr>
       <p:pic>
         <p:nvPicPr>
-          <p:cNvPr id="3" name="Picture 2">
+          <p:cNvPr id="6" name="Picture 5">
             <a:extLst>
               <a:ext uri="{FF2B5EF4-FFF2-40B4-BE49-F238E27FC236}">
-                <a16:creationId xmlns:a16="http://schemas.microsoft.com/office/drawing/2014/main" id="{A6277179-622D-B84E-B99C-3C66D94B63D0}"/>
+                <a16:creationId xmlns:a16="http://schemas.microsoft.com/office/drawing/2014/main" id="{1EF5FEB3-B875-9D48-8910-7560B1CCE861}"/>
               </a:ext>
             </a:extLst>
           </p:cNvPr>
@@ -3787,8 +3787,8 @@
         </p:blipFill>
         <p:spPr>
           <a:xfrm>
-            <a:off x="1512944" y="5283952"/>
-            <a:ext cx="8842787" cy="5368835"/>
+            <a:off x="1674607" y="5276616"/>
+            <a:ext cx="8842786" cy="5368835"/>
           </a:xfrm>
           <a:prstGeom prst="rect">
             <a:avLst/>
@@ -3869,7 +3869,7 @@
         </p:nvSpPr>
         <p:spPr>
           <a:xfrm>
-            <a:off x="7127967" y="500604"/>
+            <a:off x="2555967" y="393732"/>
             <a:ext cx="940526" cy="400110"/>
           </a:xfrm>
           <a:prstGeom prst="rect">
@@ -3906,7 +3906,7 @@
         </p:nvSpPr>
         <p:spPr>
           <a:xfrm>
-            <a:off x="7097488" y="5935616"/>
+            <a:off x="2294710" y="5762567"/>
             <a:ext cx="940526" cy="400110"/>
           </a:xfrm>
           <a:prstGeom prst="rect">

--- a/results/Sim_12.15.20/1.6.GxEPanels.pptx
+++ b/results/Sim_12.15.20/1.6.GxEPanels.pptx
@@ -5,11 +5,12 @@
     <p:sldMasterId id="2147483684" r:id="rId1"/>
   </p:sldMasterIdLst>
   <p:notesMasterIdLst>
-    <p:notesMasterId r:id="rId4"/>
+    <p:notesMasterId r:id="rId5"/>
   </p:notesMasterIdLst>
   <p:sldIdLst>
     <p:sldId id="256" r:id="rId2"/>
     <p:sldId id="257" r:id="rId3"/>
+    <p:sldId id="258" r:id="rId4"/>
   </p:sldIdLst>
   <p:sldSz cx="12192000" cy="16256000"/>
   <p:notesSz cx="6858000" cy="9144000"/>
@@ -629,6 +630,95 @@
     <p:extLst>
       <p:ext uri="{BB962C8B-B14F-4D97-AF65-F5344CB8AC3E}">
         <p14:creationId xmlns:p14="http://schemas.microsoft.com/office/powerpoint/2010/main" val="709299972"/>
+      </p:ext>
+    </p:extLst>
+  </p:cSld>
+  <p:clrMapOvr>
+    <a:masterClrMapping/>
+  </p:clrMapOvr>
+</p:notes>
+</file>
+
+<file path=ppt/notesSlides/notesSlide3.xml><?xml version="1.0" encoding="utf-8"?>
+<p:notes xmlns:a="http://schemas.openxmlformats.org/drawingml/2006/main" xmlns:r="http://schemas.openxmlformats.org/officeDocument/2006/relationships" xmlns:p="http://schemas.openxmlformats.org/presentationml/2006/main">
+  <p:cSld>
+    <p:spTree>
+      <p:nvGrpSpPr>
+        <p:cNvPr id="1" name=""/>
+        <p:cNvGrpSpPr/>
+        <p:nvPr/>
+      </p:nvGrpSpPr>
+      <p:grpSpPr>
+        <a:xfrm>
+          <a:off x="0" y="0"/>
+          <a:ext cx="0" cy="0"/>
+          <a:chOff x="0" y="0"/>
+          <a:chExt cx="0" cy="0"/>
+        </a:xfrm>
+      </p:grpSpPr>
+      <p:sp>
+        <p:nvSpPr>
+          <p:cNvPr id="2" name="Slide Image Placeholder 1"/>
+          <p:cNvSpPr>
+            <a:spLocks noGrp="1" noRot="1" noChangeAspect="1"/>
+          </p:cNvSpPr>
+          <p:nvPr>
+            <p:ph type="sldImg"/>
+          </p:nvPr>
+        </p:nvSpPr>
+        <p:spPr>
+          <a:xfrm>
+            <a:off x="2271713" y="1143000"/>
+            <a:ext cx="2314575" cy="3086100"/>
+          </a:xfrm>
+        </p:spPr>
+      </p:sp>
+      <p:sp>
+        <p:nvSpPr>
+          <p:cNvPr id="3" name="Notes Placeholder 2"/>
+          <p:cNvSpPr>
+            <a:spLocks noGrp="1"/>
+          </p:cNvSpPr>
+          <p:nvPr>
+            <p:ph type="body" idx="1"/>
+          </p:nvPr>
+        </p:nvSpPr>
+        <p:spPr/>
+        <p:txBody>
+          <a:bodyPr/>
+          <a:lstStyle/>
+          <a:p>
+            <a:endParaRPr lang="en-US" dirty="0"/>
+          </a:p>
+        </p:txBody>
+      </p:sp>
+      <p:sp>
+        <p:nvSpPr>
+          <p:cNvPr id="4" name="Slide Number Placeholder 3"/>
+          <p:cNvSpPr>
+            <a:spLocks noGrp="1"/>
+          </p:cNvSpPr>
+          <p:nvPr>
+            <p:ph type="sldNum" sz="quarter" idx="5"/>
+          </p:nvPr>
+        </p:nvSpPr>
+        <p:spPr/>
+        <p:txBody>
+          <a:bodyPr/>
+          <a:lstStyle/>
+          <a:p>
+            <a:fld id="{F4F3E601-77D6-0F4C-8219-CC9564DB547A}" type="slidenum">
+              <a:rPr lang="en-US" smtClean="0"/>
+              <a:t>3</a:t>
+            </a:fld>
+            <a:endParaRPr lang="en-US"/>
+          </a:p>
+        </p:txBody>
+      </p:sp>
+    </p:spTree>
+    <p:extLst>
+      <p:ext uri="{BB962C8B-B14F-4D97-AF65-F5344CB8AC3E}">
+        <p14:creationId xmlns:p14="http://schemas.microsoft.com/office/powerpoint/2010/main" val="126671059"/>
       </p:ext>
     </p:extLst>
   </p:cSld>
@@ -4007,6 +4097,274 @@
     <p:extLst>
       <p:ext uri="{BB962C8B-B14F-4D97-AF65-F5344CB8AC3E}">
         <p14:creationId xmlns:p14="http://schemas.microsoft.com/office/powerpoint/2010/main" val="444459101"/>
+      </p:ext>
+    </p:extLst>
+  </p:cSld>
+  <p:clrMapOvr>
+    <a:masterClrMapping/>
+  </p:clrMapOvr>
+</p:sld>
+</file>
+
+<file path=ppt/slides/slide3.xml><?xml version="1.0" encoding="utf-8"?>
+<p:sld xmlns:a="http://schemas.openxmlformats.org/drawingml/2006/main" xmlns:r="http://schemas.openxmlformats.org/officeDocument/2006/relationships" xmlns:p="http://schemas.openxmlformats.org/presentationml/2006/main">
+  <p:cSld>
+    <p:spTree>
+      <p:nvGrpSpPr>
+        <p:cNvPr id="1" name=""/>
+        <p:cNvGrpSpPr/>
+        <p:nvPr/>
+      </p:nvGrpSpPr>
+      <p:grpSpPr>
+        <a:xfrm>
+          <a:off x="0" y="0"/>
+          <a:ext cx="0" cy="0"/>
+          <a:chOff x="0" y="0"/>
+          <a:chExt cx="0" cy="0"/>
+        </a:xfrm>
+      </p:grpSpPr>
+      <p:pic>
+        <p:nvPicPr>
+          <p:cNvPr id="3" name="Picture 2">
+            <a:extLst>
+              <a:ext uri="{FF2B5EF4-FFF2-40B4-BE49-F238E27FC236}">
+                <a16:creationId xmlns:a16="http://schemas.microsoft.com/office/drawing/2014/main" id="{268382EB-3A14-4C47-80B7-C9FF8D5494A1}"/>
+              </a:ext>
+            </a:extLst>
+          </p:cNvPr>
+          <p:cNvPicPr>
+            <a:picLocks noChangeAspect="1"/>
+          </p:cNvPicPr>
+          <p:nvPr/>
+        </p:nvPicPr>
+        <p:blipFill>
+          <a:blip r:embed="rId3"/>
+          <a:stretch>
+            <a:fillRect/>
+          </a:stretch>
+        </p:blipFill>
+        <p:spPr>
+          <a:xfrm>
+            <a:off x="1438152" y="5065513"/>
+            <a:ext cx="9240904" cy="5610549"/>
+          </a:xfrm>
+          <a:prstGeom prst="rect">
+            <a:avLst/>
+          </a:prstGeom>
+        </p:spPr>
+      </p:pic>
+      <p:pic>
+        <p:nvPicPr>
+          <p:cNvPr id="5" name="Picture 4">
+            <a:extLst>
+              <a:ext uri="{FF2B5EF4-FFF2-40B4-BE49-F238E27FC236}">
+                <a16:creationId xmlns:a16="http://schemas.microsoft.com/office/drawing/2014/main" id="{4CDF47A6-BE8A-C243-878E-3ECAAEEDBD04}"/>
+              </a:ext>
+            </a:extLst>
+          </p:cNvPr>
+          <p:cNvPicPr>
+            <a:picLocks noChangeAspect="1"/>
+          </p:cNvPicPr>
+          <p:nvPr/>
+        </p:nvPicPr>
+        <p:blipFill>
+          <a:blip r:embed="rId4"/>
+          <a:stretch>
+            <a:fillRect/>
+          </a:stretch>
+        </p:blipFill>
+        <p:spPr>
+          <a:xfrm>
+            <a:off x="1512944" y="241715"/>
+            <a:ext cx="8842786" cy="5368834"/>
+          </a:xfrm>
+          <a:prstGeom prst="rect">
+            <a:avLst/>
+          </a:prstGeom>
+        </p:spPr>
+      </p:pic>
+      <p:pic>
+        <p:nvPicPr>
+          <p:cNvPr id="9" name="Picture 8">
+            <a:extLst>
+              <a:ext uri="{FF2B5EF4-FFF2-40B4-BE49-F238E27FC236}">
+                <a16:creationId xmlns:a16="http://schemas.microsoft.com/office/drawing/2014/main" id="{5A65A8A8-8C9B-6A4C-966A-C4DB772A6148}"/>
+              </a:ext>
+            </a:extLst>
+          </p:cNvPr>
+          <p:cNvPicPr>
+            <a:picLocks noChangeAspect="1"/>
+          </p:cNvPicPr>
+          <p:nvPr/>
+        </p:nvPicPr>
+        <p:blipFill>
+          <a:blip r:embed="rId5"/>
+          <a:stretch>
+            <a:fillRect/>
+          </a:stretch>
+        </p:blipFill>
+        <p:spPr>
+          <a:xfrm>
+            <a:off x="1313885" y="10645451"/>
+            <a:ext cx="9240904" cy="5610549"/>
+          </a:xfrm>
+          <a:prstGeom prst="rect">
+            <a:avLst/>
+          </a:prstGeom>
+        </p:spPr>
+      </p:pic>
+      <p:sp>
+        <p:nvSpPr>
+          <p:cNvPr id="10" name="TextBox 9">
+            <a:extLst>
+              <a:ext uri="{FF2B5EF4-FFF2-40B4-BE49-F238E27FC236}">
+                <a16:creationId xmlns:a16="http://schemas.microsoft.com/office/drawing/2014/main" id="{B358B778-809D-524B-9593-F651892383B4}"/>
+              </a:ext>
+            </a:extLst>
+          </p:cNvPr>
+          <p:cNvSpPr txBox="1"/>
+          <p:nvPr/>
+        </p:nvSpPr>
+        <p:spPr>
+          <a:xfrm>
+            <a:off x="2555967" y="393732"/>
+            <a:ext cx="940526" cy="400110"/>
+          </a:xfrm>
+          <a:prstGeom prst="rect">
+            <a:avLst/>
+          </a:prstGeom>
+          <a:noFill/>
+        </p:spPr>
+        <p:txBody>
+          <a:bodyPr wrap="square" rtlCol="0">
+            <a:spAutoFit/>
+          </a:bodyPr>
+          <a:lstStyle/>
+          <a:p>
+            <a:r>
+              <a:rPr lang="en-US" sz="2000" b="1" dirty="0">
+                <a:latin typeface="Times" pitchFamily="2" charset="0"/>
+              </a:rPr>
+              <a:t>A</a:t>
+            </a:r>
+          </a:p>
+        </p:txBody>
+      </p:sp>
+      <p:sp>
+        <p:nvSpPr>
+          <p:cNvPr id="11" name="TextBox 10">
+            <a:extLst>
+              <a:ext uri="{FF2B5EF4-FFF2-40B4-BE49-F238E27FC236}">
+                <a16:creationId xmlns:a16="http://schemas.microsoft.com/office/drawing/2014/main" id="{AD08A3A1-48A5-0D4F-94B7-56BB51A7E0EC}"/>
+              </a:ext>
+            </a:extLst>
+          </p:cNvPr>
+          <p:cNvSpPr txBox="1"/>
+          <p:nvPr/>
+        </p:nvSpPr>
+        <p:spPr>
+          <a:xfrm>
+            <a:off x="2294710" y="5762567"/>
+            <a:ext cx="940526" cy="400110"/>
+          </a:xfrm>
+          <a:prstGeom prst="rect">
+            <a:avLst/>
+          </a:prstGeom>
+          <a:noFill/>
+        </p:spPr>
+        <p:txBody>
+          <a:bodyPr wrap="square" rtlCol="0">
+            <a:spAutoFit/>
+          </a:bodyPr>
+          <a:lstStyle/>
+          <a:p>
+            <a:r>
+              <a:rPr lang="en-US" sz="2000" b="1" dirty="0">
+                <a:latin typeface="Times" pitchFamily="2" charset="0"/>
+              </a:rPr>
+              <a:t>B</a:t>
+            </a:r>
+          </a:p>
+        </p:txBody>
+      </p:sp>
+      <p:sp>
+        <p:nvSpPr>
+          <p:cNvPr id="12" name="TextBox 11">
+            <a:extLst>
+              <a:ext uri="{FF2B5EF4-FFF2-40B4-BE49-F238E27FC236}">
+                <a16:creationId xmlns:a16="http://schemas.microsoft.com/office/drawing/2014/main" id="{D5C7AF13-0877-6E49-BC89-566C4AF747C4}"/>
+              </a:ext>
+            </a:extLst>
+          </p:cNvPr>
+          <p:cNvSpPr txBox="1"/>
+          <p:nvPr/>
+        </p:nvSpPr>
+        <p:spPr>
+          <a:xfrm>
+            <a:off x="4993811" y="11313159"/>
+            <a:ext cx="940526" cy="400110"/>
+          </a:xfrm>
+          <a:prstGeom prst="rect">
+            <a:avLst/>
+          </a:prstGeom>
+          <a:noFill/>
+        </p:spPr>
+        <p:txBody>
+          <a:bodyPr wrap="square" rtlCol="0">
+            <a:spAutoFit/>
+          </a:bodyPr>
+          <a:lstStyle/>
+          <a:p>
+            <a:r>
+              <a:rPr lang="en-US" sz="2000" b="1" dirty="0">
+                <a:latin typeface="Times" pitchFamily="2" charset="0"/>
+              </a:rPr>
+              <a:t>C</a:t>
+            </a:r>
+          </a:p>
+        </p:txBody>
+      </p:sp>
+      <p:sp>
+        <p:nvSpPr>
+          <p:cNvPr id="13" name="TextBox 12">
+            <a:extLst>
+              <a:ext uri="{FF2B5EF4-FFF2-40B4-BE49-F238E27FC236}">
+                <a16:creationId xmlns:a16="http://schemas.microsoft.com/office/drawing/2014/main" id="{9D744F56-A96A-E74A-BB54-E2737C214643}"/>
+              </a:ext>
+            </a:extLst>
+          </p:cNvPr>
+          <p:cNvSpPr txBox="1"/>
+          <p:nvPr/>
+        </p:nvSpPr>
+        <p:spPr>
+          <a:xfrm>
+            <a:off x="9632621" y="11335413"/>
+            <a:ext cx="940526" cy="400110"/>
+          </a:xfrm>
+          <a:prstGeom prst="rect">
+            <a:avLst/>
+          </a:prstGeom>
+          <a:noFill/>
+        </p:spPr>
+        <p:txBody>
+          <a:bodyPr wrap="square" rtlCol="0">
+            <a:spAutoFit/>
+          </a:bodyPr>
+          <a:lstStyle/>
+          <a:p>
+            <a:r>
+              <a:rPr lang="en-US" sz="2000" b="1" dirty="0">
+                <a:latin typeface="Times" pitchFamily="2" charset="0"/>
+              </a:rPr>
+              <a:t>D</a:t>
+            </a:r>
+          </a:p>
+        </p:txBody>
+      </p:sp>
+    </p:spTree>
+    <p:extLst>
+      <p:ext uri="{BB962C8B-B14F-4D97-AF65-F5344CB8AC3E}">
+        <p14:creationId xmlns:p14="http://schemas.microsoft.com/office/powerpoint/2010/main" val="1071953232"/>
       </p:ext>
     </p:extLst>
   </p:cSld>

--- a/results/Sim_12.15.20/1.6.GxEPanels.pptx
+++ b/results/Sim_12.15.20/1.6.GxEPanels.pptx
@@ -5,12 +5,13 @@
     <p:sldMasterId id="2147483684" r:id="rId1"/>
   </p:sldMasterIdLst>
   <p:notesMasterIdLst>
-    <p:notesMasterId r:id="rId5"/>
+    <p:notesMasterId r:id="rId6"/>
   </p:notesMasterIdLst>
   <p:sldIdLst>
     <p:sldId id="256" r:id="rId2"/>
     <p:sldId id="257" r:id="rId3"/>
     <p:sldId id="258" r:id="rId4"/>
+    <p:sldId id="259" r:id="rId5"/>
   </p:sldIdLst>
   <p:sldSz cx="12192000" cy="16256000"/>
   <p:notesSz cx="6858000" cy="9144000"/>
@@ -719,6 +720,95 @@
     <p:extLst>
       <p:ext uri="{BB962C8B-B14F-4D97-AF65-F5344CB8AC3E}">
         <p14:creationId xmlns:p14="http://schemas.microsoft.com/office/powerpoint/2010/main" val="126671059"/>
+      </p:ext>
+    </p:extLst>
+  </p:cSld>
+  <p:clrMapOvr>
+    <a:masterClrMapping/>
+  </p:clrMapOvr>
+</p:notes>
+</file>
+
+<file path=ppt/notesSlides/notesSlide4.xml><?xml version="1.0" encoding="utf-8"?>
+<p:notes xmlns:a="http://schemas.openxmlformats.org/drawingml/2006/main" xmlns:r="http://schemas.openxmlformats.org/officeDocument/2006/relationships" xmlns:p="http://schemas.openxmlformats.org/presentationml/2006/main">
+  <p:cSld>
+    <p:spTree>
+      <p:nvGrpSpPr>
+        <p:cNvPr id="1" name=""/>
+        <p:cNvGrpSpPr/>
+        <p:nvPr/>
+      </p:nvGrpSpPr>
+      <p:grpSpPr>
+        <a:xfrm>
+          <a:off x="0" y="0"/>
+          <a:ext cx="0" cy="0"/>
+          <a:chOff x="0" y="0"/>
+          <a:chExt cx="0" cy="0"/>
+        </a:xfrm>
+      </p:grpSpPr>
+      <p:sp>
+        <p:nvSpPr>
+          <p:cNvPr id="2" name="Slide Image Placeholder 1"/>
+          <p:cNvSpPr>
+            <a:spLocks noGrp="1" noRot="1" noChangeAspect="1"/>
+          </p:cNvSpPr>
+          <p:nvPr>
+            <p:ph type="sldImg"/>
+          </p:nvPr>
+        </p:nvSpPr>
+        <p:spPr>
+          <a:xfrm>
+            <a:off x="2271713" y="1143000"/>
+            <a:ext cx="2314575" cy="3086100"/>
+          </a:xfrm>
+        </p:spPr>
+      </p:sp>
+      <p:sp>
+        <p:nvSpPr>
+          <p:cNvPr id="3" name="Notes Placeholder 2"/>
+          <p:cNvSpPr>
+            <a:spLocks noGrp="1"/>
+          </p:cNvSpPr>
+          <p:nvPr>
+            <p:ph type="body" idx="1"/>
+          </p:nvPr>
+        </p:nvSpPr>
+        <p:spPr/>
+        <p:txBody>
+          <a:bodyPr/>
+          <a:lstStyle/>
+          <a:p>
+            <a:endParaRPr lang="en-US" dirty="0"/>
+          </a:p>
+        </p:txBody>
+      </p:sp>
+      <p:sp>
+        <p:nvSpPr>
+          <p:cNvPr id="4" name="Slide Number Placeholder 3"/>
+          <p:cNvSpPr>
+            <a:spLocks noGrp="1"/>
+          </p:cNvSpPr>
+          <p:nvPr>
+            <p:ph type="sldNum" sz="quarter" idx="5"/>
+          </p:nvPr>
+        </p:nvSpPr>
+        <p:spPr/>
+        <p:txBody>
+          <a:bodyPr/>
+          <a:lstStyle/>
+          <a:p>
+            <a:fld id="{F4F3E601-77D6-0F4C-8219-CC9564DB547A}" type="slidenum">
+              <a:rPr lang="en-US" smtClean="0"/>
+              <a:t>4</a:t>
+            </a:fld>
+            <a:endParaRPr lang="en-US"/>
+          </a:p>
+        </p:txBody>
+      </p:sp>
+    </p:spTree>
+    <p:extLst>
+      <p:ext uri="{BB962C8B-B14F-4D97-AF65-F5344CB8AC3E}">
+        <p14:creationId xmlns:p14="http://schemas.microsoft.com/office/powerpoint/2010/main" val="3957475702"/>
       </p:ext>
     </p:extLst>
   </p:cSld>
@@ -4365,6 +4455,274 @@
     <p:extLst>
       <p:ext uri="{BB962C8B-B14F-4D97-AF65-F5344CB8AC3E}">
         <p14:creationId xmlns:p14="http://schemas.microsoft.com/office/powerpoint/2010/main" val="1071953232"/>
+      </p:ext>
+    </p:extLst>
+  </p:cSld>
+  <p:clrMapOvr>
+    <a:masterClrMapping/>
+  </p:clrMapOvr>
+</p:sld>
+</file>
+
+<file path=ppt/slides/slide4.xml><?xml version="1.0" encoding="utf-8"?>
+<p:sld xmlns:a="http://schemas.openxmlformats.org/drawingml/2006/main" xmlns:r="http://schemas.openxmlformats.org/officeDocument/2006/relationships" xmlns:p="http://schemas.openxmlformats.org/presentationml/2006/main">
+  <p:cSld>
+    <p:spTree>
+      <p:nvGrpSpPr>
+        <p:cNvPr id="1" name=""/>
+        <p:cNvGrpSpPr/>
+        <p:nvPr/>
+      </p:nvGrpSpPr>
+      <p:grpSpPr>
+        <a:xfrm>
+          <a:off x="0" y="0"/>
+          <a:ext cx="0" cy="0"/>
+          <a:chOff x="0" y="0"/>
+          <a:chExt cx="0" cy="0"/>
+        </a:xfrm>
+      </p:grpSpPr>
+      <p:pic>
+        <p:nvPicPr>
+          <p:cNvPr id="4" name="Picture 3">
+            <a:extLst>
+              <a:ext uri="{FF2B5EF4-FFF2-40B4-BE49-F238E27FC236}">
+                <a16:creationId xmlns:a16="http://schemas.microsoft.com/office/drawing/2014/main" id="{F9610A11-74C2-5042-BEDB-1E5B47C04BAA}"/>
+              </a:ext>
+            </a:extLst>
+          </p:cNvPr>
+          <p:cNvPicPr>
+            <a:picLocks noChangeAspect="1"/>
+          </p:cNvPicPr>
+          <p:nvPr/>
+        </p:nvPicPr>
+        <p:blipFill>
+          <a:blip r:embed="rId3"/>
+          <a:stretch>
+            <a:fillRect/>
+          </a:stretch>
+        </p:blipFill>
+        <p:spPr>
+          <a:xfrm>
+            <a:off x="1637211" y="5369408"/>
+            <a:ext cx="8842787" cy="5368835"/>
+          </a:xfrm>
+          <a:prstGeom prst="rect">
+            <a:avLst/>
+          </a:prstGeom>
+        </p:spPr>
+      </p:pic>
+      <p:pic>
+        <p:nvPicPr>
+          <p:cNvPr id="5" name="Picture 4">
+            <a:extLst>
+              <a:ext uri="{FF2B5EF4-FFF2-40B4-BE49-F238E27FC236}">
+                <a16:creationId xmlns:a16="http://schemas.microsoft.com/office/drawing/2014/main" id="{4CDF47A6-BE8A-C243-878E-3ECAAEEDBD04}"/>
+              </a:ext>
+            </a:extLst>
+          </p:cNvPr>
+          <p:cNvPicPr>
+            <a:picLocks noChangeAspect="1"/>
+          </p:cNvPicPr>
+          <p:nvPr/>
+        </p:nvPicPr>
+        <p:blipFill>
+          <a:blip r:embed="rId4"/>
+          <a:stretch>
+            <a:fillRect/>
+          </a:stretch>
+        </p:blipFill>
+        <p:spPr>
+          <a:xfrm>
+            <a:off x="1512944" y="241715"/>
+            <a:ext cx="8842786" cy="5368834"/>
+          </a:xfrm>
+          <a:prstGeom prst="rect">
+            <a:avLst/>
+          </a:prstGeom>
+        </p:spPr>
+      </p:pic>
+      <p:pic>
+        <p:nvPicPr>
+          <p:cNvPr id="9" name="Picture 8">
+            <a:extLst>
+              <a:ext uri="{FF2B5EF4-FFF2-40B4-BE49-F238E27FC236}">
+                <a16:creationId xmlns:a16="http://schemas.microsoft.com/office/drawing/2014/main" id="{5A65A8A8-8C9B-6A4C-966A-C4DB772A6148}"/>
+              </a:ext>
+            </a:extLst>
+          </p:cNvPr>
+          <p:cNvPicPr>
+            <a:picLocks noChangeAspect="1"/>
+          </p:cNvPicPr>
+          <p:nvPr/>
+        </p:nvPicPr>
+        <p:blipFill>
+          <a:blip r:embed="rId5"/>
+          <a:stretch>
+            <a:fillRect/>
+          </a:stretch>
+        </p:blipFill>
+        <p:spPr>
+          <a:xfrm>
+            <a:off x="1313885" y="10645451"/>
+            <a:ext cx="9240904" cy="5610549"/>
+          </a:xfrm>
+          <a:prstGeom prst="rect">
+            <a:avLst/>
+          </a:prstGeom>
+        </p:spPr>
+      </p:pic>
+      <p:sp>
+        <p:nvSpPr>
+          <p:cNvPr id="10" name="TextBox 9">
+            <a:extLst>
+              <a:ext uri="{FF2B5EF4-FFF2-40B4-BE49-F238E27FC236}">
+                <a16:creationId xmlns:a16="http://schemas.microsoft.com/office/drawing/2014/main" id="{B358B778-809D-524B-9593-F651892383B4}"/>
+              </a:ext>
+            </a:extLst>
+          </p:cNvPr>
+          <p:cNvSpPr txBox="1"/>
+          <p:nvPr/>
+        </p:nvSpPr>
+        <p:spPr>
+          <a:xfrm>
+            <a:off x="2555967" y="393732"/>
+            <a:ext cx="940526" cy="400110"/>
+          </a:xfrm>
+          <a:prstGeom prst="rect">
+            <a:avLst/>
+          </a:prstGeom>
+          <a:noFill/>
+        </p:spPr>
+        <p:txBody>
+          <a:bodyPr wrap="square" rtlCol="0">
+            <a:spAutoFit/>
+          </a:bodyPr>
+          <a:lstStyle/>
+          <a:p>
+            <a:r>
+              <a:rPr lang="en-US" sz="2000" b="1" dirty="0">
+                <a:latin typeface="Times" pitchFamily="2" charset="0"/>
+              </a:rPr>
+              <a:t>A</a:t>
+            </a:r>
+          </a:p>
+        </p:txBody>
+      </p:sp>
+      <p:sp>
+        <p:nvSpPr>
+          <p:cNvPr id="11" name="TextBox 10">
+            <a:extLst>
+              <a:ext uri="{FF2B5EF4-FFF2-40B4-BE49-F238E27FC236}">
+                <a16:creationId xmlns:a16="http://schemas.microsoft.com/office/drawing/2014/main" id="{AD08A3A1-48A5-0D4F-94B7-56BB51A7E0EC}"/>
+              </a:ext>
+            </a:extLst>
+          </p:cNvPr>
+          <p:cNvSpPr txBox="1"/>
+          <p:nvPr/>
+        </p:nvSpPr>
+        <p:spPr>
+          <a:xfrm>
+            <a:off x="2294710" y="5762567"/>
+            <a:ext cx="940526" cy="400110"/>
+          </a:xfrm>
+          <a:prstGeom prst="rect">
+            <a:avLst/>
+          </a:prstGeom>
+          <a:noFill/>
+        </p:spPr>
+        <p:txBody>
+          <a:bodyPr wrap="square" rtlCol="0">
+            <a:spAutoFit/>
+          </a:bodyPr>
+          <a:lstStyle/>
+          <a:p>
+            <a:r>
+              <a:rPr lang="en-US" sz="2000" b="1" dirty="0">
+                <a:latin typeface="Times" pitchFamily="2" charset="0"/>
+              </a:rPr>
+              <a:t>B</a:t>
+            </a:r>
+          </a:p>
+        </p:txBody>
+      </p:sp>
+      <p:sp>
+        <p:nvSpPr>
+          <p:cNvPr id="12" name="TextBox 11">
+            <a:extLst>
+              <a:ext uri="{FF2B5EF4-FFF2-40B4-BE49-F238E27FC236}">
+                <a16:creationId xmlns:a16="http://schemas.microsoft.com/office/drawing/2014/main" id="{D5C7AF13-0877-6E49-BC89-566C4AF747C4}"/>
+              </a:ext>
+            </a:extLst>
+          </p:cNvPr>
+          <p:cNvSpPr txBox="1"/>
+          <p:nvPr/>
+        </p:nvSpPr>
+        <p:spPr>
+          <a:xfrm>
+            <a:off x="4993811" y="11313159"/>
+            <a:ext cx="940526" cy="400110"/>
+          </a:xfrm>
+          <a:prstGeom prst="rect">
+            <a:avLst/>
+          </a:prstGeom>
+          <a:noFill/>
+        </p:spPr>
+        <p:txBody>
+          <a:bodyPr wrap="square" rtlCol="0">
+            <a:spAutoFit/>
+          </a:bodyPr>
+          <a:lstStyle/>
+          <a:p>
+            <a:r>
+              <a:rPr lang="en-US" sz="2000" b="1" dirty="0">
+                <a:latin typeface="Times" pitchFamily="2" charset="0"/>
+              </a:rPr>
+              <a:t>C</a:t>
+            </a:r>
+          </a:p>
+        </p:txBody>
+      </p:sp>
+      <p:sp>
+        <p:nvSpPr>
+          <p:cNvPr id="13" name="TextBox 12">
+            <a:extLst>
+              <a:ext uri="{FF2B5EF4-FFF2-40B4-BE49-F238E27FC236}">
+                <a16:creationId xmlns:a16="http://schemas.microsoft.com/office/drawing/2014/main" id="{9D744F56-A96A-E74A-BB54-E2737C214643}"/>
+              </a:ext>
+            </a:extLst>
+          </p:cNvPr>
+          <p:cNvSpPr txBox="1"/>
+          <p:nvPr/>
+        </p:nvSpPr>
+        <p:spPr>
+          <a:xfrm>
+            <a:off x="9632621" y="11335413"/>
+            <a:ext cx="940526" cy="400110"/>
+          </a:xfrm>
+          <a:prstGeom prst="rect">
+            <a:avLst/>
+          </a:prstGeom>
+          <a:noFill/>
+        </p:spPr>
+        <p:txBody>
+          <a:bodyPr wrap="square" rtlCol="0">
+            <a:spAutoFit/>
+          </a:bodyPr>
+          <a:lstStyle/>
+          <a:p>
+            <a:r>
+              <a:rPr lang="en-US" sz="2000" b="1" dirty="0">
+                <a:latin typeface="Times" pitchFamily="2" charset="0"/>
+              </a:rPr>
+              <a:t>D</a:t>
+            </a:r>
+          </a:p>
+        </p:txBody>
+      </p:sp>
+    </p:spTree>
+    <p:extLst>
+      <p:ext uri="{BB962C8B-B14F-4D97-AF65-F5344CB8AC3E}">
+        <p14:creationId xmlns:p14="http://schemas.microsoft.com/office/powerpoint/2010/main" val="4205092517"/>
       </p:ext>
     </p:extLst>
   </p:cSld>
